--- a/Documentations/Proposal and Scope/Report/resources/temp.pptx
+++ b/Documentations/Proposal and Scope/Report/resources/temp.pptx
@@ -6,6 +6,7 @@
   </p:sldMasterIdLst>
   <p:sldIdLst>
     <p:sldId id="256" r:id="rId2"/>
+    <p:sldId id="257" r:id="rId3"/>
   </p:sldIdLst>
   <p:sldSz cx="9144000" cy="6858000" type="screen4x3"/>
   <p:notesSz cx="6858000" cy="9144000"/>
@@ -3207,6 +3208,205 @@
 </p:sld>
 </file>
 
+<file path=ppt/slides/slide2.xml><?xml version="1.0" encoding="utf-8"?>
+<p:sld xmlns:a="http://schemas.openxmlformats.org/drawingml/2006/main" xmlns:r="http://schemas.openxmlformats.org/officeDocument/2006/relationships" xmlns:p="http://schemas.openxmlformats.org/presentationml/2006/main">
+  <p:cSld>
+    <p:spTree>
+      <p:nvGrpSpPr>
+        <p:cNvPr id="1" name=""/>
+        <p:cNvGrpSpPr/>
+        <p:nvPr/>
+      </p:nvGrpSpPr>
+      <p:grpSpPr>
+        <a:xfrm>
+          <a:off x="0" y="0"/>
+          <a:ext cx="0" cy="0"/>
+          <a:chOff x="0" y="0"/>
+          <a:chExt cx="0" cy="0"/>
+        </a:xfrm>
+      </p:grpSpPr>
+      <p:grpSp>
+        <p:nvGrpSpPr>
+          <p:cNvPr id="11" name="Group 10"/>
+          <p:cNvGrpSpPr/>
+          <p:nvPr/>
+        </p:nvGrpSpPr>
+        <p:grpSpPr>
+          <a:xfrm>
+            <a:off x="381000" y="1078560"/>
+            <a:ext cx="8776855" cy="4642916"/>
+            <a:chOff x="381000" y="1078560"/>
+            <a:chExt cx="8776855" cy="4642916"/>
+          </a:xfrm>
+        </p:grpSpPr>
+        <p:pic>
+          <p:nvPicPr>
+            <p:cNvPr id="4" name="Picture 3"/>
+            <p:cNvPicPr>
+              <a:picLocks noChangeAspect="1"/>
+            </p:cNvPicPr>
+            <p:nvPr/>
+          </p:nvPicPr>
+          <p:blipFill>
+            <a:blip r:embed="rId2">
+              <a:extLst>
+                <a:ext uri="{28A0092B-C50C-407E-A947-70E740481C1C}">
+                  <a14:useLocalDpi xmlns:a14="http://schemas.microsoft.com/office/drawing/2010/main" val="0"/>
+                </a:ext>
+              </a:extLst>
+            </a:blip>
+            <a:stretch>
+              <a:fillRect/>
+            </a:stretch>
+          </p:blipFill>
+          <p:spPr>
+            <a:xfrm>
+              <a:off x="381000" y="1136524"/>
+              <a:ext cx="7391400" cy="4584952"/>
+            </a:xfrm>
+            <a:prstGeom prst="rect">
+              <a:avLst/>
+            </a:prstGeom>
+          </p:spPr>
+        </p:pic>
+        <p:sp>
+          <p:nvSpPr>
+            <p:cNvPr id="7" name="TextBox 6"/>
+            <p:cNvSpPr txBox="1"/>
+            <p:nvPr/>
+          </p:nvSpPr>
+          <p:spPr>
+            <a:xfrm>
+              <a:off x="7550661" y="1078560"/>
+              <a:ext cx="1607194" cy="646331"/>
+            </a:xfrm>
+            <a:prstGeom prst="rect">
+              <a:avLst/>
+            </a:prstGeom>
+            <a:noFill/>
+          </p:spPr>
+          <p:txBody>
+            <a:bodyPr wrap="square" rtlCol="0">
+              <a:spAutoFit/>
+            </a:bodyPr>
+            <a:lstStyle/>
+            <a:p>
+              <a:r>
+                <a:rPr lang="en-US" dirty="0" smtClean="0">
+                  <a:latin typeface="Comic Sans MS" pitchFamily="66" charset="0"/>
+                </a:rPr>
+                <a:t>Currently in the canvas: </a:t>
+              </a:r>
+              <a:endParaRPr lang="en-US" dirty="0">
+                <a:latin typeface="Comic Sans MS" pitchFamily="66" charset="0"/>
+              </a:endParaRPr>
+            </a:p>
+          </p:txBody>
+        </p:sp>
+        <p:pic>
+          <p:nvPicPr>
+            <p:cNvPr id="8" name="Picture 7"/>
+            <p:cNvPicPr>
+              <a:picLocks noChangeAspect="1"/>
+            </p:cNvPicPr>
+            <p:nvPr/>
+          </p:nvPicPr>
+          <p:blipFill>
+            <a:blip r:embed="rId3" cstate="print">
+              <a:extLst>
+                <a:ext uri="{28A0092B-C50C-407E-A947-70E740481C1C}">
+                  <a14:useLocalDpi xmlns:a14="http://schemas.microsoft.com/office/drawing/2010/main" val="0"/>
+                </a:ext>
+              </a:extLst>
+            </a:blip>
+            <a:stretch>
+              <a:fillRect/>
+            </a:stretch>
+          </p:blipFill>
+          <p:spPr>
+            <a:xfrm>
+              <a:off x="8271830" y="2750701"/>
+              <a:ext cx="884067" cy="1033376"/>
+            </a:xfrm>
+            <a:prstGeom prst="rect">
+              <a:avLst/>
+            </a:prstGeom>
+          </p:spPr>
+        </p:pic>
+        <p:pic>
+          <p:nvPicPr>
+            <p:cNvPr id="9" name="Picture 8"/>
+            <p:cNvPicPr>
+              <a:picLocks noChangeAspect="1"/>
+            </p:cNvPicPr>
+            <p:nvPr/>
+          </p:nvPicPr>
+          <p:blipFill>
+            <a:blip r:embed="rId4" cstate="print">
+              <a:extLst>
+                <a:ext uri="{28A0092B-C50C-407E-A947-70E740481C1C}">
+                  <a14:useLocalDpi xmlns:a14="http://schemas.microsoft.com/office/drawing/2010/main" val="0"/>
+                </a:ext>
+              </a:extLst>
+            </a:blip>
+            <a:stretch>
+              <a:fillRect/>
+            </a:stretch>
+          </p:blipFill>
+          <p:spPr>
+            <a:xfrm>
+              <a:off x="8271830" y="1752600"/>
+              <a:ext cx="886025" cy="1029593"/>
+            </a:xfrm>
+            <a:prstGeom prst="rect">
+              <a:avLst/>
+            </a:prstGeom>
+          </p:spPr>
+        </p:pic>
+        <p:pic>
+          <p:nvPicPr>
+            <p:cNvPr id="10" name="Picture 9"/>
+            <p:cNvPicPr>
+              <a:picLocks noChangeAspect="1"/>
+            </p:cNvPicPr>
+            <p:nvPr/>
+          </p:nvPicPr>
+          <p:blipFill>
+            <a:blip r:embed="rId5" cstate="print">
+              <a:extLst>
+                <a:ext uri="{28A0092B-C50C-407E-A947-70E740481C1C}">
+                  <a14:useLocalDpi xmlns:a14="http://schemas.microsoft.com/office/drawing/2010/main" val="0"/>
+                </a:ext>
+              </a:extLst>
+            </a:blip>
+            <a:stretch>
+              <a:fillRect/>
+            </a:stretch>
+          </p:blipFill>
+          <p:spPr>
+            <a:xfrm>
+              <a:off x="8190062" y="3874132"/>
+              <a:ext cx="965835" cy="1034534"/>
+            </a:xfrm>
+            <a:prstGeom prst="rect">
+              <a:avLst/>
+            </a:prstGeom>
+          </p:spPr>
+        </p:pic>
+      </p:grpSp>
+    </p:spTree>
+    <p:extLst>
+      <p:ext uri="{BB962C8B-B14F-4D97-AF65-F5344CB8AC3E}">
+        <p14:creationId xmlns:p14="http://schemas.microsoft.com/office/powerpoint/2010/main" val="3867787221"/>
+      </p:ext>
+    </p:extLst>
+  </p:cSld>
+  <p:clrMapOvr>
+    <a:masterClrMapping/>
+  </p:clrMapOvr>
+</p:sld>
+</file>
+
 <file path=ppt/theme/theme1.xml><?xml version="1.0" encoding="utf-8"?>
 <a:theme xmlns:a="http://schemas.openxmlformats.org/drawingml/2006/main" name="Office Theme">
   <a:themeElements>
